--- a/docs/images/personPanel.pptx
+++ b/docs/images/personPanel.pptx
@@ -104,6 +104,11 @@
       </a:defRPr>
     </a:lvl9pPr>
   </p:defaultTextStyle>
+  <p:extLst>
+    <p:ext uri="{EFAFB233-063F-42B5-8137-9DF3F51BA10A}">
+      <p15:sldGuideLst xmlns:p15="http://schemas.microsoft.com/office/powerpoint/2012/main"/>
+    </p:ext>
+  </p:extLst>
 </p:presentation>
 </file>
 
@@ -238,7 +243,7 @@
           <a:p>
             <a:fld id="{4C83EA27-5365-4D1F-9657-BB3CA4EA9124}" type="datetimeFigureOut">
               <a:rPr lang="en-SG" smtClean="0"/>
-              <a:t>29/10/2020</a:t>
+              <a:t>7/11/2020</a:t>
             </a:fld>
             <a:endParaRPr lang="en-SG"/>
           </a:p>
@@ -408,7 +413,7 @@
           <a:p>
             <a:fld id="{4C83EA27-5365-4D1F-9657-BB3CA4EA9124}" type="datetimeFigureOut">
               <a:rPr lang="en-SG" smtClean="0"/>
-              <a:t>29/10/2020</a:t>
+              <a:t>7/11/2020</a:t>
             </a:fld>
             <a:endParaRPr lang="en-SG"/>
           </a:p>
@@ -588,7 +593,7 @@
           <a:p>
             <a:fld id="{4C83EA27-5365-4D1F-9657-BB3CA4EA9124}" type="datetimeFigureOut">
               <a:rPr lang="en-SG" smtClean="0"/>
-              <a:t>29/10/2020</a:t>
+              <a:t>7/11/2020</a:t>
             </a:fld>
             <a:endParaRPr lang="en-SG"/>
           </a:p>
@@ -758,7 +763,7 @@
           <a:p>
             <a:fld id="{4C83EA27-5365-4D1F-9657-BB3CA4EA9124}" type="datetimeFigureOut">
               <a:rPr lang="en-SG" smtClean="0"/>
-              <a:t>29/10/2020</a:t>
+              <a:t>7/11/2020</a:t>
             </a:fld>
             <a:endParaRPr lang="en-SG"/>
           </a:p>
@@ -1004,7 +1009,7 @@
           <a:p>
             <a:fld id="{4C83EA27-5365-4D1F-9657-BB3CA4EA9124}" type="datetimeFigureOut">
               <a:rPr lang="en-SG" smtClean="0"/>
-              <a:t>29/10/2020</a:t>
+              <a:t>7/11/2020</a:t>
             </a:fld>
             <a:endParaRPr lang="en-SG"/>
           </a:p>
@@ -1236,7 +1241,7 @@
           <a:p>
             <a:fld id="{4C83EA27-5365-4D1F-9657-BB3CA4EA9124}" type="datetimeFigureOut">
               <a:rPr lang="en-SG" smtClean="0"/>
-              <a:t>29/10/2020</a:t>
+              <a:t>7/11/2020</a:t>
             </a:fld>
             <a:endParaRPr lang="en-SG"/>
           </a:p>
@@ -1603,7 +1608,7 @@
           <a:p>
             <a:fld id="{4C83EA27-5365-4D1F-9657-BB3CA4EA9124}" type="datetimeFigureOut">
               <a:rPr lang="en-SG" smtClean="0"/>
-              <a:t>29/10/2020</a:t>
+              <a:t>7/11/2020</a:t>
             </a:fld>
             <a:endParaRPr lang="en-SG"/>
           </a:p>
@@ -1721,7 +1726,7 @@
           <a:p>
             <a:fld id="{4C83EA27-5365-4D1F-9657-BB3CA4EA9124}" type="datetimeFigureOut">
               <a:rPr lang="en-SG" smtClean="0"/>
-              <a:t>29/10/2020</a:t>
+              <a:t>7/11/2020</a:t>
             </a:fld>
             <a:endParaRPr lang="en-SG"/>
           </a:p>
@@ -1816,7 +1821,7 @@
           <a:p>
             <a:fld id="{4C83EA27-5365-4D1F-9657-BB3CA4EA9124}" type="datetimeFigureOut">
               <a:rPr lang="en-SG" smtClean="0"/>
-              <a:t>29/10/2020</a:t>
+              <a:t>7/11/2020</a:t>
             </a:fld>
             <a:endParaRPr lang="en-SG"/>
           </a:p>
@@ -2093,7 +2098,7 @@
           <a:p>
             <a:fld id="{4C83EA27-5365-4D1F-9657-BB3CA4EA9124}" type="datetimeFigureOut">
               <a:rPr lang="en-SG" smtClean="0"/>
-              <a:t>29/10/2020</a:t>
+              <a:t>7/11/2020</a:t>
             </a:fld>
             <a:endParaRPr lang="en-SG"/>
           </a:p>
@@ -2350,7 +2355,7 @@
           <a:p>
             <a:fld id="{4C83EA27-5365-4D1F-9657-BB3CA4EA9124}" type="datetimeFigureOut">
               <a:rPr lang="en-SG" smtClean="0"/>
-              <a:t>29/10/2020</a:t>
+              <a:t>7/11/2020</a:t>
             </a:fld>
             <a:endParaRPr lang="en-SG"/>
           </a:p>
@@ -2563,7 +2568,7 @@
           <a:p>
             <a:fld id="{4C83EA27-5365-4D1F-9657-BB3CA4EA9124}" type="datetimeFigureOut">
               <a:rPr lang="en-SG" smtClean="0"/>
-              <a:t>29/10/2020</a:t>
+              <a:t>7/11/2020</a:t>
             </a:fld>
             <a:endParaRPr lang="en-SG"/>
           </a:p>
@@ -2970,10 +2975,10 @@
       </p:grpSpPr>
       <p:pic>
         <p:nvPicPr>
-          <p:cNvPr id="5" name="Picture 4">
+          <p:cNvPr id="3" name="Picture 2">
             <a:extLst>
               <a:ext uri="{FF2B5EF4-FFF2-40B4-BE49-F238E27FC236}">
-                <a16:creationId xmlns:a16="http://schemas.microsoft.com/office/drawing/2014/main" id="{8FDC9F45-7B52-4FF9-9602-4BEB35238A57}"/>
+                <a16:creationId xmlns:a16="http://schemas.microsoft.com/office/drawing/2014/main" id="{5024A3DE-35F3-41DA-98B2-64F368FA4176}"/>
               </a:ext>
             </a:extLst>
           </p:cNvPr>
@@ -2996,8 +3001,8 @@
         </p:blipFill>
         <p:spPr>
           <a:xfrm>
-            <a:off x="540256" y="275609"/>
-            <a:ext cx="3880049" cy="1682836"/>
+            <a:off x="750114" y="0"/>
+            <a:ext cx="3376572" cy="2286001"/>
           </a:xfrm>
           <a:prstGeom prst="rect">
             <a:avLst/>
@@ -3018,8 +3023,8 @@
         </p:nvSpPr>
         <p:spPr>
           <a:xfrm>
-            <a:off x="687545" y="425789"/>
-            <a:ext cx="272226" cy="251286"/>
+            <a:off x="990018" y="670095"/>
+            <a:ext cx="148911" cy="150073"/>
           </a:xfrm>
           <a:prstGeom prst="rect">
             <a:avLst/>
@@ -3070,8 +3075,112 @@
         </p:nvSpPr>
         <p:spPr>
           <a:xfrm>
-            <a:off x="749202" y="858559"/>
-            <a:ext cx="1016775" cy="184974"/>
+            <a:off x="990018" y="992927"/>
+            <a:ext cx="493264" cy="150073"/>
+          </a:xfrm>
+          <a:prstGeom prst="rect">
+            <a:avLst/>
+          </a:prstGeom>
+          <a:noFill/>
+          <a:ln w="38100">
+            <a:solidFill>
+              <a:srgbClr val="FFFF00"/>
+            </a:solidFill>
+          </a:ln>
+        </p:spPr>
+        <p:style>
+          <a:lnRef idx="2">
+            <a:schemeClr val="accent1">
+              <a:shade val="50000"/>
+            </a:schemeClr>
+          </a:lnRef>
+          <a:fillRef idx="1">
+            <a:schemeClr val="accent1"/>
+          </a:fillRef>
+          <a:effectRef idx="0">
+            <a:schemeClr val="accent1"/>
+          </a:effectRef>
+          <a:fontRef idx="minor">
+            <a:schemeClr val="lt1"/>
+          </a:fontRef>
+        </p:style>
+        <p:txBody>
+          <a:bodyPr rtlCol="0" anchor="ctr"/>
+          <a:lstStyle/>
+          <a:p>
+            <a:pPr algn="ctr"/>
+            <a:endParaRPr lang="en-SG"/>
+          </a:p>
+        </p:txBody>
+      </p:sp>
+      <p:sp>
+        <p:nvSpPr>
+          <p:cNvPr id="4" name="Rectangle 3">
+            <a:extLst>
+              <a:ext uri="{FF2B5EF4-FFF2-40B4-BE49-F238E27FC236}">
+                <a16:creationId xmlns:a16="http://schemas.microsoft.com/office/drawing/2014/main" id="{A57632EE-C3D0-456C-A4CE-1AC4D283A0A5}"/>
+              </a:ext>
+            </a:extLst>
+          </p:cNvPr>
+          <p:cNvSpPr/>
+          <p:nvPr/>
+        </p:nvSpPr>
+        <p:spPr>
+          <a:xfrm>
+            <a:off x="990017" y="1622212"/>
+            <a:ext cx="148911" cy="190883"/>
+          </a:xfrm>
+          <a:prstGeom prst="rect">
+            <a:avLst/>
+          </a:prstGeom>
+          <a:noFill/>
+          <a:ln w="38100">
+            <a:solidFill>
+              <a:srgbClr val="FFFF00"/>
+            </a:solidFill>
+          </a:ln>
+        </p:spPr>
+        <p:style>
+          <a:lnRef idx="2">
+            <a:schemeClr val="accent1">
+              <a:shade val="50000"/>
+            </a:schemeClr>
+          </a:lnRef>
+          <a:fillRef idx="1">
+            <a:schemeClr val="accent1"/>
+          </a:fillRef>
+          <a:effectRef idx="0">
+            <a:schemeClr val="accent1"/>
+          </a:effectRef>
+          <a:fontRef idx="minor">
+            <a:schemeClr val="lt1"/>
+          </a:fontRef>
+        </p:style>
+        <p:txBody>
+          <a:bodyPr rtlCol="0" anchor="ctr"/>
+          <a:lstStyle/>
+          <a:p>
+            <a:pPr algn="ctr"/>
+            <a:endParaRPr lang="en-SG"/>
+          </a:p>
+        </p:txBody>
+      </p:sp>
+      <p:sp>
+        <p:nvSpPr>
+          <p:cNvPr id="10" name="Rectangle 9">
+            <a:extLst>
+              <a:ext uri="{FF2B5EF4-FFF2-40B4-BE49-F238E27FC236}">
+                <a16:creationId xmlns:a16="http://schemas.microsoft.com/office/drawing/2014/main" id="{26B255D3-56A3-43F3-9DA1-EDA14DD967E9}"/>
+              </a:ext>
+            </a:extLst>
+          </p:cNvPr>
+          <p:cNvSpPr/>
+          <p:nvPr/>
+        </p:nvSpPr>
+        <p:spPr>
+          <a:xfrm>
+            <a:off x="990018" y="1945044"/>
+            <a:ext cx="493264" cy="150073"/>
           </a:xfrm>
           <a:prstGeom prst="rect">
             <a:avLst/>
